--- a/MISIJA-V_FlipMemo.pptx
+++ b/MISIJA-V_FlipMemo.pptx
@@ -5,7 +5,7 @@
     <p:sldMasterId id="2147483687" r:id="rId1"/>
   </p:sldMasterIdLst>
   <p:notesMasterIdLst>
-    <p:notesMasterId r:id="rId13"/>
+    <p:notesMasterId r:id="rId15"/>
   </p:notesMasterIdLst>
   <p:sldIdLst>
     <p:sldId id="256" r:id="rId2"/>
@@ -13,12 +13,14 @@
     <p:sldId id="265" r:id="rId4"/>
     <p:sldId id="258" r:id="rId5"/>
     <p:sldId id="259" r:id="rId6"/>
-    <p:sldId id="267" r:id="rId7"/>
-    <p:sldId id="261" r:id="rId8"/>
-    <p:sldId id="260" r:id="rId9"/>
-    <p:sldId id="262" r:id="rId10"/>
-    <p:sldId id="263" r:id="rId11"/>
-    <p:sldId id="264" r:id="rId12"/>
+    <p:sldId id="269" r:id="rId7"/>
+    <p:sldId id="268" r:id="rId8"/>
+    <p:sldId id="267" r:id="rId9"/>
+    <p:sldId id="261" r:id="rId10"/>
+    <p:sldId id="260" r:id="rId11"/>
+    <p:sldId id="262" r:id="rId12"/>
+    <p:sldId id="263" r:id="rId13"/>
+    <p:sldId id="264" r:id="rId14"/>
   </p:sldIdLst>
   <p:sldSz cx="9144000" cy="6858000" type="screen4x3"/>
   <p:notesSz cx="6858000" cy="9144000"/>
@@ -4706,7 +4708,7 @@
           <a:p>
             <a:r>
               <a:rPr lang="hr-HR" dirty="0"/>
-              <a:t>Naučene lekcije</a:t>
+              <a:t>Korišteni alati i tehnologije</a:t>
             </a:r>
           </a:p>
         </p:txBody>
@@ -4723,23 +4725,19 @@
         </p:nvSpPr>
         <p:spPr/>
         <p:txBody>
-          <a:bodyPr/>
+          <a:bodyPr>
+            <a:normAutofit/>
+          </a:bodyPr>
           <a:lstStyle/>
           <a:p>
             <a:r>
-              <a:rPr lang="en-GB" dirty="0" err="1"/>
-              <a:t>Pr</a:t>
-            </a:r>
-            <a:r>
-              <a:rPr lang="hr-HR" dirty="0"/>
-              <a:t>ojekt je bio mogućnost za sve članove time upoznati se s radom u timu na ozbiljnijem grupnom projektu.</a:t>
-            </a:r>
-          </a:p>
-          <a:p>
-            <a:pPr marL="0" indent="0">
-              <a:buNone/>
-            </a:pPr>
-            <a:endParaRPr lang="hr-HR" dirty="0"/>
+              <a:rPr lang="hr-HR" sz="2400" dirty="0"/>
+              <a:t>Ovaj projekt pružio je članovima projektnog tima upoznavanje s tehnologijama kao što su Git, LaTeX i radnim okvirima i knjižnicama kao što su Spring i React. </a:t>
+            </a:r>
+            <a:endParaRPr lang="en-GB" sz="2000" dirty="0"/>
+          </a:p>
+          <a:p>
+            <a:endParaRPr lang="en-GB" sz="2400" dirty="0"/>
           </a:p>
         </p:txBody>
       </p:sp>
@@ -4769,7 +4767,7 @@
     </p:spTree>
     <p:extLst>
       <p:ext uri="{BB962C8B-B14F-4D97-AF65-F5344CB8AC3E}">
-        <p14:creationId xmlns:p14="http://schemas.microsoft.com/office/powerpoint/2010/main" val="48259320"/>
+        <p14:creationId xmlns:p14="http://schemas.microsoft.com/office/powerpoint/2010/main" val="3389772446"/>
       </p:ext>
     </p:extLst>
   </p:cSld>
@@ -4811,7 +4809,51 @@
           <a:bodyPr/>
           <a:lstStyle/>
           <a:p>
-            <a:endParaRPr lang="hr-HR" i="1" dirty="0"/>
+            <a:r>
+              <a:rPr lang="hr-HR" dirty="0"/>
+              <a:t>Organizacija rada</a:t>
+            </a:r>
+          </a:p>
+        </p:txBody>
+      </p:sp>
+      <p:sp>
+        <p:nvSpPr>
+          <p:cNvPr id="3" name="Content Placeholder 2"/>
+          <p:cNvSpPr>
+            <a:spLocks noGrp="1"/>
+          </p:cNvSpPr>
+          <p:nvPr>
+            <p:ph idx="1"/>
+          </p:nvPr>
+        </p:nvSpPr>
+        <p:spPr/>
+        <p:txBody>
+          <a:bodyPr>
+            <a:normAutofit/>
+          </a:bodyPr>
+          <a:lstStyle/>
+          <a:p>
+            <a:pPr>
+              <a:lnSpc>
+                <a:spcPct val="100000"/>
+              </a:lnSpc>
+            </a:pPr>
+            <a:r>
+              <a:rPr lang="hr-HR" sz="2400" dirty="0"/>
+              <a:t> U prvoj fazi naglasak je bio na oblikovanju sustava i implementaciji generičkih funkcionalnosti. Oblikovanje sustava uključivalo je izlučivanje zahtjeva, izradu brojnih UML dijagrama i oblikovanje arhitekture sustava. Implementacija generičkih aktivnosti uključivala je izradu početne stranice, spajanje sustava u cjelinu i sl. </a:t>
+            </a:r>
+          </a:p>
+          <a:p>
+            <a:pPr>
+              <a:lnSpc>
+                <a:spcPct val="100000"/>
+              </a:lnSpc>
+            </a:pPr>
+            <a:r>
+              <a:rPr lang="hr-HR" sz="2400" dirty="0"/>
+              <a:t>U drugoj fazi naglasak je bio na implementaciji prethodno oblikovanog suatava. I u ovoj fazi se radilo na dokumentaciji pa je tako izrađeno nekoliko UML dijagrama. U ovoj fazi cilj je bio završetak projekta u cijelosti što znači kako su se u ovoj fazi trebale implementirati sve naprednije funkcionalnosti sustava.</a:t>
+            </a:r>
+            <a:endParaRPr lang="hr-HR" sz="1800" dirty="0"/>
           </a:p>
         </p:txBody>
       </p:sp>
@@ -4833,6 +4875,185 @@
             <a:fld id="{FAA41844-C0CA-4144-9D6C-D993F0C0FAB4}" type="slidenum">
               <a:rPr lang="hr-HR" smtClean="0"/>
               <a:t>11</a:t>
+            </a:fld>
+            <a:endParaRPr lang="hr-HR"/>
+          </a:p>
+        </p:txBody>
+      </p:sp>
+    </p:spTree>
+    <p:extLst>
+      <p:ext uri="{BB962C8B-B14F-4D97-AF65-F5344CB8AC3E}">
+        <p14:creationId xmlns:p14="http://schemas.microsoft.com/office/powerpoint/2010/main" val="4285223946"/>
+      </p:ext>
+    </p:extLst>
+  </p:cSld>
+  <p:clrMapOvr>
+    <a:masterClrMapping/>
+  </p:clrMapOvr>
+</p:sld>
+</file>
+
+<file path=ppt/slides/slide12.xml><?xml version="1.0" encoding="utf-8"?>
+<p:sld xmlns:a="http://schemas.openxmlformats.org/drawingml/2006/main" xmlns:r="http://schemas.openxmlformats.org/officeDocument/2006/relationships" xmlns:p="http://schemas.openxmlformats.org/presentationml/2006/main">
+  <p:cSld>
+    <p:spTree>
+      <p:nvGrpSpPr>
+        <p:cNvPr id="1" name=""/>
+        <p:cNvGrpSpPr/>
+        <p:nvPr/>
+      </p:nvGrpSpPr>
+      <p:grpSpPr>
+        <a:xfrm>
+          <a:off x="0" y="0"/>
+          <a:ext cx="0" cy="0"/>
+          <a:chOff x="0" y="0"/>
+          <a:chExt cx="0" cy="0"/>
+        </a:xfrm>
+      </p:grpSpPr>
+      <p:sp>
+        <p:nvSpPr>
+          <p:cNvPr id="2" name="Title 1"/>
+          <p:cNvSpPr>
+            <a:spLocks noGrp="1"/>
+          </p:cNvSpPr>
+          <p:nvPr>
+            <p:ph type="title"/>
+          </p:nvPr>
+        </p:nvSpPr>
+        <p:spPr/>
+        <p:txBody>
+          <a:bodyPr/>
+          <a:lstStyle/>
+          <a:p>
+            <a:r>
+              <a:rPr lang="hr-HR" dirty="0"/>
+              <a:t>Naučene lekcije</a:t>
+            </a:r>
+          </a:p>
+        </p:txBody>
+      </p:sp>
+      <p:sp>
+        <p:nvSpPr>
+          <p:cNvPr id="3" name="Content Placeholder 2"/>
+          <p:cNvSpPr>
+            <a:spLocks noGrp="1"/>
+          </p:cNvSpPr>
+          <p:nvPr>
+            <p:ph idx="1"/>
+          </p:nvPr>
+        </p:nvSpPr>
+        <p:spPr/>
+        <p:txBody>
+          <a:bodyPr/>
+          <a:lstStyle/>
+          <a:p>
+            <a:r>
+              <a:rPr lang="en-GB" dirty="0" err="1"/>
+              <a:t>Pr</a:t>
+            </a:r>
+            <a:r>
+              <a:rPr lang="hr-HR" dirty="0"/>
+              <a:t>ojekt je bio mogućnost za sve članove time upoznati se s radom u timu na ozbiljnijem grupnom projektu.</a:t>
+            </a:r>
+          </a:p>
+          <a:p>
+            <a:pPr marL="0" indent="0">
+              <a:buNone/>
+            </a:pPr>
+            <a:endParaRPr lang="hr-HR" dirty="0"/>
+          </a:p>
+        </p:txBody>
+      </p:sp>
+      <p:sp>
+        <p:nvSpPr>
+          <p:cNvPr id="4" name="Slide Number Placeholder 3"/>
+          <p:cNvSpPr>
+            <a:spLocks noGrp="1"/>
+          </p:cNvSpPr>
+          <p:nvPr>
+            <p:ph type="sldNum" sz="quarter" idx="12"/>
+          </p:nvPr>
+        </p:nvSpPr>
+        <p:spPr/>
+        <p:txBody>
+          <a:bodyPr/>
+          <a:lstStyle/>
+          <a:p>
+            <a:fld id="{FAA41844-C0CA-4144-9D6C-D993F0C0FAB4}" type="slidenum">
+              <a:rPr lang="hr-HR" smtClean="0"/>
+              <a:t>12</a:t>
+            </a:fld>
+            <a:endParaRPr lang="hr-HR"/>
+          </a:p>
+        </p:txBody>
+      </p:sp>
+    </p:spTree>
+    <p:extLst>
+      <p:ext uri="{BB962C8B-B14F-4D97-AF65-F5344CB8AC3E}">
+        <p14:creationId xmlns:p14="http://schemas.microsoft.com/office/powerpoint/2010/main" val="48259320"/>
+      </p:ext>
+    </p:extLst>
+  </p:cSld>
+  <p:clrMapOvr>
+    <a:masterClrMapping/>
+  </p:clrMapOvr>
+</p:sld>
+</file>
+
+<file path=ppt/slides/slide13.xml><?xml version="1.0" encoding="utf-8"?>
+<p:sld xmlns:a="http://schemas.openxmlformats.org/drawingml/2006/main" xmlns:r="http://schemas.openxmlformats.org/officeDocument/2006/relationships" xmlns:p="http://schemas.openxmlformats.org/presentationml/2006/main">
+  <p:cSld>
+    <p:spTree>
+      <p:nvGrpSpPr>
+        <p:cNvPr id="1" name=""/>
+        <p:cNvGrpSpPr/>
+        <p:nvPr/>
+      </p:nvGrpSpPr>
+      <p:grpSpPr>
+        <a:xfrm>
+          <a:off x="0" y="0"/>
+          <a:ext cx="0" cy="0"/>
+          <a:chOff x="0" y="0"/>
+          <a:chExt cx="0" cy="0"/>
+        </a:xfrm>
+      </p:grpSpPr>
+      <p:sp>
+        <p:nvSpPr>
+          <p:cNvPr id="2" name="Title 1"/>
+          <p:cNvSpPr>
+            <a:spLocks noGrp="1"/>
+          </p:cNvSpPr>
+          <p:nvPr>
+            <p:ph type="title"/>
+          </p:nvPr>
+        </p:nvSpPr>
+        <p:spPr/>
+        <p:txBody>
+          <a:bodyPr/>
+          <a:lstStyle/>
+          <a:p>
+            <a:endParaRPr lang="hr-HR" i="1" dirty="0"/>
+          </a:p>
+        </p:txBody>
+      </p:sp>
+      <p:sp>
+        <p:nvSpPr>
+          <p:cNvPr id="4" name="Slide Number Placeholder 3"/>
+          <p:cNvSpPr>
+            <a:spLocks noGrp="1"/>
+          </p:cNvSpPr>
+          <p:nvPr>
+            <p:ph type="sldNum" sz="quarter" idx="12"/>
+          </p:nvPr>
+        </p:nvSpPr>
+        <p:spPr/>
+        <p:txBody>
+          <a:bodyPr/>
+          <a:lstStyle/>
+          <a:p>
+            <a:fld id="{FAA41844-C0CA-4144-9D6C-D993F0C0FAB4}" type="slidenum">
+              <a:rPr lang="hr-HR" smtClean="0"/>
+              <a:t>13</a:t>
             </a:fld>
             <a:endParaRPr lang="hr-HR"/>
           </a:p>
@@ -5904,10 +6125,10 @@
       </p:grpSpPr>
       <p:sp>
         <p:nvSpPr>
-          <p:cNvPr id="2" name="Title 1">
+          <p:cNvPr id="2" name="Naslov 1">
             <a:extLst>
               <a:ext uri="{FF2B5EF4-FFF2-40B4-BE49-F238E27FC236}">
-                <a16:creationId xmlns:a16="http://schemas.microsoft.com/office/drawing/2014/main" id="{0605387C-8718-2C49-1AE3-0C9B1F57DA34}"/>
+                <a16:creationId xmlns:a16="http://schemas.microsoft.com/office/drawing/2014/main" id="{46BAC3B7-DB00-C009-3CFA-AE7F71D50C9A}"/>
               </a:ext>
             </a:extLst>
           </p:cNvPr>
@@ -5923,623 +6144,51 @@
           <a:bodyPr/>
           <a:lstStyle/>
           <a:p>
-            <a:r>
-              <a:rPr lang="en-GB" dirty="0" err="1"/>
-              <a:t>Ostali</a:t>
-            </a:r>
-            <a:r>
-              <a:rPr lang="en-GB" dirty="0"/>
-              <a:t> </a:t>
-            </a:r>
-            <a:r>
-              <a:rPr lang="en-GB" dirty="0" err="1"/>
-              <a:t>zahtjevi</a:t>
-            </a:r>
-            <a:endParaRPr lang="en-GB" dirty="0"/>
+            <a:endParaRPr lang="hr-HR"/>
           </a:p>
         </p:txBody>
       </p:sp>
-      <p:sp>
-        <p:nvSpPr>
-          <p:cNvPr id="3" name="Content Placeholder 2">
+      <p:pic>
+        <p:nvPicPr>
+          <p:cNvPr id="6" name="Rezervirano mjesto sadržaja 5" descr="Slika na kojoj se prikazuje tekst, dijagram, crta, krug&#10;&#10;Opis je automatski generiran">
             <a:extLst>
               <a:ext uri="{FF2B5EF4-FFF2-40B4-BE49-F238E27FC236}">
-                <a16:creationId xmlns:a16="http://schemas.microsoft.com/office/drawing/2014/main" id="{C73498FF-BD7F-61C3-247B-E9B879F520BA}"/>
+                <a16:creationId xmlns:a16="http://schemas.microsoft.com/office/drawing/2014/main" id="{503787E3-301A-B5BF-A2E6-25F44E8A08A9}"/>
               </a:ext>
             </a:extLst>
           </p:cNvPr>
-          <p:cNvSpPr>
-            <a:spLocks noGrp="1"/>
-          </p:cNvSpPr>
+          <p:cNvPicPr>
+            <a:picLocks noGrp="1" noChangeAspect="1"/>
+          </p:cNvPicPr>
           <p:nvPr>
             <p:ph idx="1"/>
           </p:nvPr>
-        </p:nvSpPr>
-        <p:spPr/>
-        <p:txBody>
-          <a:bodyPr>
-            <a:normAutofit fontScale="92500" lnSpcReduction="20000"/>
-          </a:bodyPr>
-          <a:lstStyle/>
-          <a:p>
-            <a:r>
-              <a:rPr lang="en-GB" dirty="0"/>
-              <a:t>1. </a:t>
-            </a:r>
-            <a:r>
-              <a:rPr lang="en-GB" dirty="0" err="1"/>
-              <a:t>Sustav</a:t>
-            </a:r>
-            <a:r>
-              <a:rPr lang="en-GB" dirty="0"/>
-              <a:t> </a:t>
-            </a:r>
-            <a:r>
-              <a:rPr lang="en-GB" dirty="0" err="1"/>
-              <a:t>treba</a:t>
-            </a:r>
-            <a:r>
-              <a:rPr lang="en-GB" dirty="0"/>
-              <a:t> </a:t>
-            </a:r>
-            <a:r>
-              <a:rPr lang="en-GB" dirty="0" err="1"/>
-              <a:t>podr</a:t>
-            </a:r>
-            <a:r>
-              <a:rPr lang="hr-BA" dirty="0"/>
-              <a:t>ž</a:t>
-            </a:r>
-            <a:r>
-              <a:rPr lang="en-GB" dirty="0" err="1"/>
-              <a:t>avati</a:t>
-            </a:r>
-            <a:r>
-              <a:rPr lang="en-GB" dirty="0"/>
-              <a:t> </a:t>
-            </a:r>
-            <a:r>
-              <a:rPr lang="en-GB" dirty="0" err="1"/>
-              <a:t>hrvatski</a:t>
-            </a:r>
-            <a:r>
-              <a:rPr lang="en-GB" dirty="0"/>
-              <a:t> </a:t>
-            </a:r>
-            <a:r>
-              <a:rPr lang="en-GB" dirty="0" err="1"/>
-              <a:t>jezik</a:t>
-            </a:r>
-            <a:r>
-              <a:rPr lang="en-GB" dirty="0"/>
-              <a:t> </a:t>
-            </a:r>
-            <a:endParaRPr lang="hr-BA" dirty="0"/>
-          </a:p>
-          <a:p>
-            <a:r>
-              <a:rPr lang="en-GB" dirty="0"/>
-              <a:t> 2. </a:t>
-            </a:r>
-            <a:r>
-              <a:rPr lang="en-GB" dirty="0" err="1"/>
-              <a:t>Sustav</a:t>
-            </a:r>
-            <a:r>
-              <a:rPr lang="en-GB" dirty="0"/>
-              <a:t> </a:t>
-            </a:r>
-            <a:r>
-              <a:rPr lang="en-GB" dirty="0" err="1"/>
-              <a:t>treba</a:t>
-            </a:r>
-            <a:r>
-              <a:rPr lang="en-GB" dirty="0"/>
-              <a:t> </a:t>
-            </a:r>
-            <a:r>
-              <a:rPr lang="en-GB" dirty="0" err="1"/>
-              <a:t>ostvariti</a:t>
-            </a:r>
-            <a:r>
-              <a:rPr lang="en-GB" dirty="0"/>
-              <a:t> </a:t>
-            </a:r>
-            <a:r>
-              <a:rPr lang="en-GB" dirty="0" err="1"/>
-              <a:t>kao</a:t>
-            </a:r>
-            <a:r>
-              <a:rPr lang="en-GB" dirty="0"/>
-              <a:t> web-</a:t>
-            </a:r>
-            <a:r>
-              <a:rPr lang="en-GB" dirty="0" err="1"/>
-              <a:t>aplikaciju</a:t>
-            </a:r>
-            <a:r>
-              <a:rPr lang="en-GB" dirty="0"/>
-              <a:t> </a:t>
-            </a:r>
-            <a:endParaRPr lang="hr-BA" dirty="0"/>
-          </a:p>
-          <a:p>
-            <a:r>
-              <a:rPr lang="en-GB" dirty="0"/>
-              <a:t>3. </a:t>
-            </a:r>
-            <a:r>
-              <a:rPr lang="en-GB" dirty="0" err="1"/>
-              <a:t>Sustav</a:t>
-            </a:r>
-            <a:r>
-              <a:rPr lang="en-GB" dirty="0"/>
-              <a:t> </a:t>
-            </a:r>
-            <a:r>
-              <a:rPr lang="en-GB" dirty="0" err="1"/>
-              <a:t>treba</a:t>
-            </a:r>
-            <a:r>
-              <a:rPr lang="en-GB" dirty="0"/>
-              <a:t> </a:t>
-            </a:r>
-            <a:r>
-              <a:rPr lang="en-GB" dirty="0" err="1"/>
-              <a:t>koristiti</a:t>
-            </a:r>
-            <a:r>
-              <a:rPr lang="en-GB" dirty="0"/>
-              <a:t> </a:t>
-            </a:r>
-            <a:r>
-              <a:rPr lang="en-GB" dirty="0" err="1"/>
-              <a:t>vanjski</a:t>
-            </a:r>
-            <a:r>
-              <a:rPr lang="en-GB" dirty="0"/>
-              <a:t> API za </a:t>
-            </a:r>
-            <a:r>
-              <a:rPr lang="en-GB" dirty="0" err="1"/>
-              <a:t>dohva</a:t>
-            </a:r>
-            <a:r>
-              <a:rPr lang="hr-BA" dirty="0"/>
-              <a:t>ć</a:t>
-            </a:r>
-            <a:r>
-              <a:rPr lang="en-GB" dirty="0" err="1"/>
-              <a:t>anje</a:t>
-            </a:r>
-            <a:r>
-              <a:rPr lang="en-GB" dirty="0"/>
-              <a:t> </a:t>
-            </a:r>
-            <a:r>
-              <a:rPr lang="en-GB" dirty="0" err="1"/>
-              <a:t>prijedloga</a:t>
-            </a:r>
-            <a:r>
-              <a:rPr lang="en-GB" dirty="0"/>
-              <a:t> </a:t>
-            </a:r>
-            <a:r>
-              <a:rPr lang="en-GB" dirty="0" err="1"/>
-              <a:t>rije</a:t>
-            </a:r>
-            <a:r>
-              <a:rPr lang="hr-BA" dirty="0"/>
-              <a:t>č</a:t>
-            </a:r>
-            <a:r>
-              <a:rPr lang="en-GB" dirty="0" err="1"/>
-              <a:t>i</a:t>
-            </a:r>
-            <a:r>
-              <a:rPr lang="en-GB" dirty="0"/>
-              <a:t> </a:t>
-            </a:r>
-            <a:endParaRPr lang="hr-BA" dirty="0"/>
-          </a:p>
-          <a:p>
-            <a:r>
-              <a:rPr lang="en-GB" dirty="0"/>
-              <a:t>4. </a:t>
-            </a:r>
-            <a:r>
-              <a:rPr lang="en-GB" dirty="0" err="1"/>
-              <a:t>Sustavu</a:t>
-            </a:r>
-            <a:r>
-              <a:rPr lang="en-GB" dirty="0"/>
-              <a:t> se </a:t>
-            </a:r>
-            <a:r>
-              <a:rPr lang="en-GB" dirty="0" err="1"/>
-              <a:t>pristupa</a:t>
-            </a:r>
-            <a:r>
-              <a:rPr lang="en-GB" dirty="0"/>
-              <a:t> </a:t>
-            </a:r>
-            <a:r>
-              <a:rPr lang="en-GB" dirty="0" err="1"/>
-              <a:t>uz</a:t>
-            </a:r>
-            <a:r>
-              <a:rPr lang="en-GB" dirty="0"/>
-              <a:t> </a:t>
-            </a:r>
-            <a:r>
-              <a:rPr lang="en-GB" dirty="0" err="1"/>
-              <a:t>kori</a:t>
-            </a:r>
-            <a:r>
-              <a:rPr lang="hr-BA" dirty="0"/>
-              <a:t>š</a:t>
-            </a:r>
-            <a:r>
-              <a:rPr lang="en-GB" dirty="0" err="1"/>
-              <a:t>tenje</a:t>
-            </a:r>
-            <a:r>
-              <a:rPr lang="en-GB" dirty="0"/>
-              <a:t> </a:t>
-            </a:r>
-            <a:r>
-              <a:rPr lang="en-GB" dirty="0" err="1"/>
-              <a:t>protokola</a:t>
-            </a:r>
-            <a:r>
-              <a:rPr lang="en-GB" dirty="0"/>
-              <a:t> HTTPS </a:t>
-            </a:r>
-            <a:endParaRPr lang="hr-BA" dirty="0"/>
-          </a:p>
-          <a:p>
-            <a:r>
-              <a:rPr lang="en-GB" dirty="0"/>
-              <a:t> 5. </a:t>
-            </a:r>
-            <a:r>
-              <a:rPr lang="en-GB" dirty="0" err="1"/>
-              <a:t>Sustav</a:t>
-            </a:r>
-            <a:r>
-              <a:rPr lang="en-GB" dirty="0"/>
-              <a:t> </a:t>
-            </a:r>
-            <a:r>
-              <a:rPr lang="en-GB" dirty="0" err="1"/>
-              <a:t>treba</a:t>
-            </a:r>
-            <a:r>
-              <a:rPr lang="en-GB" dirty="0"/>
-              <a:t> </a:t>
-            </a:r>
-            <a:r>
-              <a:rPr lang="en-GB" dirty="0" err="1"/>
-              <a:t>ostvariti</a:t>
-            </a:r>
-            <a:r>
-              <a:rPr lang="en-GB" dirty="0"/>
-              <a:t> </a:t>
-            </a:r>
-            <a:r>
-              <a:rPr lang="en-GB" dirty="0" err="1"/>
-              <a:t>pomo</a:t>
-            </a:r>
-            <a:r>
-              <a:rPr lang="hr-BA" dirty="0"/>
-              <a:t>ć</a:t>
-            </a:r>
-            <a:r>
-              <a:rPr lang="en-GB" dirty="0"/>
-              <a:t>u </a:t>
-            </a:r>
-            <a:r>
-              <a:rPr lang="en-GB" dirty="0" err="1"/>
-              <a:t>objektno</a:t>
-            </a:r>
-            <a:r>
-              <a:rPr lang="en-GB" dirty="0"/>
-              <a:t> </a:t>
-            </a:r>
-            <a:r>
-              <a:rPr lang="en-GB" dirty="0" err="1"/>
-              <a:t>orijentiranog</a:t>
-            </a:r>
-            <a:r>
-              <a:rPr lang="en-GB" dirty="0"/>
-              <a:t> </a:t>
-            </a:r>
-            <a:r>
-              <a:rPr lang="en-GB" dirty="0" err="1"/>
-              <a:t>jezika</a:t>
-            </a:r>
-            <a:r>
-              <a:rPr lang="en-GB" dirty="0"/>
-              <a:t> </a:t>
-            </a:r>
-            <a:endParaRPr lang="hr-BA" dirty="0"/>
-          </a:p>
-          <a:p>
-            <a:r>
-              <a:rPr lang="en-GB" dirty="0"/>
-              <a:t> 6. </a:t>
-            </a:r>
-            <a:r>
-              <a:rPr lang="en-GB" dirty="0" err="1"/>
-              <a:t>Sve</a:t>
-            </a:r>
-            <a:r>
-              <a:rPr lang="en-GB" dirty="0"/>
-              <a:t> </a:t>
-            </a:r>
-            <a:r>
-              <a:rPr lang="en-GB" dirty="0" err="1"/>
-              <a:t>lozinke</a:t>
-            </a:r>
-            <a:r>
-              <a:rPr lang="en-GB" dirty="0"/>
-              <a:t> u </a:t>
-            </a:r>
-            <a:r>
-              <a:rPr lang="en-GB" dirty="0" err="1"/>
-              <a:t>sustavu</a:t>
-            </a:r>
-            <a:r>
-              <a:rPr lang="en-GB" dirty="0"/>
-              <a:t> </a:t>
-            </a:r>
-            <a:r>
-              <a:rPr lang="en-GB" dirty="0" err="1"/>
-              <a:t>trebaju</a:t>
-            </a:r>
-            <a:r>
-              <a:rPr lang="en-GB" dirty="0"/>
-              <a:t> </a:t>
-            </a:r>
-            <a:r>
-              <a:rPr lang="en-GB" dirty="0" err="1"/>
-              <a:t>biti</a:t>
-            </a:r>
-            <a:r>
-              <a:rPr lang="en-GB" dirty="0"/>
-              <a:t> </a:t>
-            </a:r>
-            <a:r>
-              <a:rPr lang="en-GB" dirty="0" err="1"/>
-              <a:t>kriptirane</a:t>
-            </a:r>
-            <a:r>
-              <a:rPr lang="en-GB" dirty="0"/>
-              <a:t> </a:t>
-            </a:r>
-            <a:r>
-              <a:rPr lang="en-GB" dirty="0" err="1"/>
-              <a:t>radi</a:t>
-            </a:r>
-            <a:r>
-              <a:rPr lang="en-GB" dirty="0"/>
-              <a:t> </a:t>
-            </a:r>
-            <a:r>
-              <a:rPr lang="en-GB" dirty="0" err="1"/>
-              <a:t>osiguravanja</a:t>
-            </a:r>
-            <a:r>
-              <a:rPr lang="en-GB" dirty="0"/>
-              <a:t> </a:t>
-            </a:r>
-            <a:r>
-              <a:rPr lang="en-GB" dirty="0" err="1"/>
-              <a:t>sigurnosti</a:t>
-            </a:r>
-            <a:r>
-              <a:rPr lang="en-GB" dirty="0"/>
-              <a:t> </a:t>
-            </a:r>
-            <a:r>
-              <a:rPr lang="en-GB" dirty="0" err="1"/>
-              <a:t>korisnickih</a:t>
-            </a:r>
-            <a:r>
-              <a:rPr lang="en-GB" dirty="0"/>
-              <a:t> </a:t>
-            </a:r>
-            <a:r>
-              <a:rPr lang="en-GB" dirty="0" err="1"/>
-              <a:t>ra</a:t>
-            </a:r>
-            <a:r>
-              <a:rPr lang="hr-BA" dirty="0"/>
-              <a:t>č</a:t>
-            </a:r>
-            <a:r>
-              <a:rPr lang="en-GB" dirty="0" err="1"/>
-              <a:t>una</a:t>
-            </a:r>
-            <a:r>
-              <a:rPr lang="en-GB" dirty="0"/>
-              <a:t> </a:t>
-            </a:r>
-            <a:endParaRPr lang="hr-BA" dirty="0"/>
-          </a:p>
-          <a:p>
-            <a:r>
-              <a:rPr lang="en-GB" dirty="0"/>
-              <a:t>7. </a:t>
-            </a:r>
-            <a:r>
-              <a:rPr lang="en-GB" dirty="0" err="1"/>
-              <a:t>Sustav</a:t>
-            </a:r>
-            <a:r>
-              <a:rPr lang="en-GB" dirty="0"/>
-              <a:t> </a:t>
-            </a:r>
-            <a:r>
-              <a:rPr lang="en-GB" dirty="0" err="1"/>
-              <a:t>treba</a:t>
-            </a:r>
-            <a:r>
-              <a:rPr lang="en-GB" dirty="0"/>
-              <a:t> </a:t>
-            </a:r>
-            <a:r>
-              <a:rPr lang="en-GB" dirty="0" err="1"/>
-              <a:t>ostvariti</a:t>
-            </a:r>
-            <a:r>
-              <a:rPr lang="en-GB" dirty="0"/>
-              <a:t> </a:t>
-            </a:r>
-            <a:r>
-              <a:rPr lang="en-GB" dirty="0" err="1"/>
-              <a:t>tako</a:t>
-            </a:r>
-            <a:r>
-              <a:rPr lang="en-GB" dirty="0"/>
-              <a:t> da </a:t>
-            </a:r>
-            <a:r>
-              <a:rPr lang="en-GB" dirty="0" err="1"/>
-              <a:t>bude</a:t>
-            </a:r>
-            <a:r>
-              <a:rPr lang="en-GB" dirty="0"/>
-              <a:t> </a:t>
-            </a:r>
-            <a:r>
-              <a:rPr lang="en-GB" dirty="0" err="1"/>
-              <a:t>jednostavan</a:t>
-            </a:r>
-            <a:r>
-              <a:rPr lang="en-GB" dirty="0"/>
-              <a:t> </a:t>
-            </a:r>
-            <a:r>
-              <a:rPr lang="en-GB" dirty="0" err="1"/>
-              <a:t>i</a:t>
-            </a:r>
-            <a:r>
-              <a:rPr lang="en-GB" dirty="0"/>
-              <a:t> </a:t>
-            </a:r>
-            <a:r>
-              <a:rPr lang="en-GB" dirty="0" err="1"/>
-              <a:t>intuitivan</a:t>
-            </a:r>
-            <a:r>
-              <a:rPr lang="en-GB" dirty="0"/>
-              <a:t> za </a:t>
-            </a:r>
-            <a:r>
-              <a:rPr lang="en-GB" dirty="0" err="1"/>
-              <a:t>koristenje</a:t>
-            </a:r>
-            <a:r>
-              <a:rPr lang="en-GB" dirty="0"/>
-              <a:t> </a:t>
-            </a:r>
-            <a:endParaRPr lang="hr-BA" dirty="0"/>
-          </a:p>
-          <a:p>
-            <a:r>
-              <a:rPr lang="en-GB" dirty="0"/>
-              <a:t> 8. </a:t>
-            </a:r>
-            <a:r>
-              <a:rPr lang="en-GB" dirty="0" err="1"/>
-              <a:t>Sustav</a:t>
-            </a:r>
-            <a:r>
-              <a:rPr lang="en-GB" dirty="0"/>
-              <a:t> </a:t>
-            </a:r>
-            <a:r>
-              <a:rPr lang="en-GB" dirty="0" err="1"/>
-              <a:t>treba</a:t>
-            </a:r>
-            <a:r>
-              <a:rPr lang="en-GB" dirty="0"/>
-              <a:t> </a:t>
-            </a:r>
-            <a:r>
-              <a:rPr lang="en-GB" dirty="0" err="1"/>
-              <a:t>mo</a:t>
-            </a:r>
-            <a:r>
-              <a:rPr lang="hr-BA" dirty="0"/>
-              <a:t>ć</a:t>
-            </a:r>
-            <a:r>
-              <a:rPr lang="en-GB" dirty="0" err="1"/>
-              <a:t>i</a:t>
-            </a:r>
-            <a:r>
-              <a:rPr lang="en-GB" dirty="0"/>
-              <a:t> </a:t>
-            </a:r>
-            <a:r>
-              <a:rPr lang="en-GB" dirty="0" err="1"/>
-              <a:t>pru</a:t>
-            </a:r>
-            <a:r>
-              <a:rPr lang="hr-BA" dirty="0"/>
-              <a:t>ž</a:t>
-            </a:r>
-            <a:r>
-              <a:rPr lang="en-GB" dirty="0" err="1"/>
-              <a:t>ati</a:t>
-            </a:r>
-            <a:r>
-              <a:rPr lang="en-GB" dirty="0"/>
-              <a:t> </a:t>
-            </a:r>
-            <a:r>
-              <a:rPr lang="en-GB" dirty="0" err="1"/>
-              <a:t>uslugu</a:t>
-            </a:r>
-            <a:r>
-              <a:rPr lang="en-GB" dirty="0"/>
-              <a:t> za vi</a:t>
-            </a:r>
-            <a:r>
-              <a:rPr lang="hr-BA" dirty="0"/>
-              <a:t>š</a:t>
-            </a:r>
-            <a:r>
-              <a:rPr lang="en-GB" dirty="0"/>
-              <a:t>e </a:t>
-            </a:r>
-            <a:r>
-              <a:rPr lang="en-GB" dirty="0" err="1"/>
-              <a:t>korisnika</a:t>
-            </a:r>
-            <a:r>
-              <a:rPr lang="en-GB" dirty="0"/>
-              <a:t> </a:t>
-            </a:r>
-            <a:r>
-              <a:rPr lang="en-GB" dirty="0" err="1"/>
-              <a:t>istovremeno</a:t>
-            </a:r>
-            <a:r>
-              <a:rPr lang="en-GB" dirty="0"/>
-              <a:t> </a:t>
-            </a:r>
-          </a:p>
-        </p:txBody>
-      </p:sp>
+        </p:nvPicPr>
+        <p:blipFill>
+          <a:blip r:embed="rId2">
+            <a:extLst>
+              <a:ext uri="{28A0092B-C50C-407E-A947-70E740481C1C}">
+                <a14:useLocalDpi xmlns:a14="http://schemas.microsoft.com/office/drawing/2010/main" val="0"/>
+              </a:ext>
+            </a:extLst>
+          </a:blip>
+          <a:stretch>
+            <a:fillRect/>
+          </a:stretch>
+        </p:blipFill>
+        <p:spPr>
+          <a:xfrm>
+            <a:off x="709493" y="1136343"/>
+            <a:ext cx="7725014" cy="5251990"/>
+          </a:xfrm>
+        </p:spPr>
+      </p:pic>
       <p:sp>
         <p:nvSpPr>
-          <p:cNvPr id="4" name="Slide Number Placeholder 3">
+          <p:cNvPr id="4" name="Rezervirano mjesto broja slajda 3">
             <a:extLst>
               <a:ext uri="{FF2B5EF4-FFF2-40B4-BE49-F238E27FC236}">
-                <a16:creationId xmlns:a16="http://schemas.microsoft.com/office/drawing/2014/main" id="{3A03AFAB-D5C7-6AF1-71CF-C41FAB96E27C}"/>
+                <a16:creationId xmlns:a16="http://schemas.microsoft.com/office/drawing/2014/main" id="{0778589D-1329-B9FF-F26A-29F40AECC608}"/>
               </a:ext>
             </a:extLst>
           </p:cNvPr>
@@ -6566,7 +6215,7 @@
     </p:spTree>
     <p:extLst>
       <p:ext uri="{BB962C8B-B14F-4D97-AF65-F5344CB8AC3E}">
-        <p14:creationId xmlns:p14="http://schemas.microsoft.com/office/powerpoint/2010/main" val="1986177170"/>
+        <p14:creationId xmlns:p14="http://schemas.microsoft.com/office/powerpoint/2010/main" val="1259516580"/>
       </p:ext>
     </p:extLst>
   </p:cSld>
@@ -6595,7 +6244,13 @@
       </p:grpSpPr>
       <p:sp>
         <p:nvSpPr>
-          <p:cNvPr id="2" name="Title 1"/>
+          <p:cNvPr id="2" name="Naslov 1">
+            <a:extLst>
+              <a:ext uri="{FF2B5EF4-FFF2-40B4-BE49-F238E27FC236}">
+                <a16:creationId xmlns:a16="http://schemas.microsoft.com/office/drawing/2014/main" id="{B452C477-E50A-99E1-F56D-DCA2466C24B8}"/>
+              </a:ext>
+            </a:extLst>
+          </p:cNvPr>
           <p:cNvSpPr>
             <a:spLocks noGrp="1"/>
           </p:cNvSpPr>
@@ -6608,39 +6263,54 @@
           <a:bodyPr/>
           <a:lstStyle/>
           <a:p>
-            <a:endParaRPr lang="hr-HR" dirty="0"/>
+            <a:endParaRPr lang="hr-HR"/>
           </a:p>
         </p:txBody>
       </p:sp>
-      <p:sp>
-        <p:nvSpPr>
-          <p:cNvPr id="3" name="Content Placeholder 2"/>
-          <p:cNvSpPr>
-            <a:spLocks noGrp="1"/>
-          </p:cNvSpPr>
+      <p:pic>
+        <p:nvPicPr>
+          <p:cNvPr id="6" name="Rezervirano mjesto sadržaja 5" descr="Slika na kojoj se prikazuje tekst, dijagram, snimka zaslona, crta&#10;&#10;Opis je automatski generiran">
+            <a:extLst>
+              <a:ext uri="{FF2B5EF4-FFF2-40B4-BE49-F238E27FC236}">
+                <a16:creationId xmlns:a16="http://schemas.microsoft.com/office/drawing/2014/main" id="{21A6CD0A-4E86-D28F-2543-B536E3878A6A}"/>
+              </a:ext>
+            </a:extLst>
+          </p:cNvPr>
+          <p:cNvPicPr>
+            <a:picLocks noGrp="1" noChangeAspect="1"/>
+          </p:cNvPicPr>
           <p:nvPr>
             <p:ph idx="1"/>
           </p:nvPr>
-        </p:nvSpPr>
-        <p:spPr/>
-        <p:txBody>
-          <a:bodyPr>
-            <a:normAutofit/>
-          </a:bodyPr>
-          <a:lstStyle/>
-          <a:p>
-            <a:pPr>
-              <a:lnSpc>
-                <a:spcPct val="100000"/>
-              </a:lnSpc>
-            </a:pPr>
-            <a:endParaRPr lang="hr-HR" sz="1800" dirty="0"/>
-          </a:p>
-        </p:txBody>
-      </p:sp>
+        </p:nvPicPr>
+        <p:blipFill>
+          <a:blip r:embed="rId2">
+            <a:extLst>
+              <a:ext uri="{28A0092B-C50C-407E-A947-70E740481C1C}">
+                <a14:useLocalDpi xmlns:a14="http://schemas.microsoft.com/office/drawing/2010/main" val="0"/>
+              </a:ext>
+            </a:extLst>
+          </a:blip>
+          <a:stretch>
+            <a:fillRect/>
+          </a:stretch>
+        </p:blipFill>
+        <p:spPr>
+          <a:xfrm>
+            <a:off x="1454915" y="326805"/>
+            <a:ext cx="6792440" cy="6531193"/>
+          </a:xfrm>
+        </p:spPr>
+      </p:pic>
       <p:sp>
         <p:nvSpPr>
-          <p:cNvPr id="4" name="Slide Number Placeholder 3"/>
+          <p:cNvPr id="4" name="Rezervirano mjesto broja slajda 3">
+            <a:extLst>
+              <a:ext uri="{FF2B5EF4-FFF2-40B4-BE49-F238E27FC236}">
+                <a16:creationId xmlns:a16="http://schemas.microsoft.com/office/drawing/2014/main" id="{35F0D37D-898D-B9E2-0A99-53AA7AADEA0C}"/>
+              </a:ext>
+            </a:extLst>
+          </p:cNvPr>
           <p:cNvSpPr>
             <a:spLocks noGrp="1"/>
           </p:cNvSpPr>
@@ -6661,40 +6331,10 @@
           </a:p>
         </p:txBody>
       </p:sp>
-      <p:pic>
-        <p:nvPicPr>
-          <p:cNvPr id="8" name="Picture 7">
-            <a:extLst>
-              <a:ext uri="{FF2B5EF4-FFF2-40B4-BE49-F238E27FC236}">
-                <a16:creationId xmlns:a16="http://schemas.microsoft.com/office/drawing/2014/main" id="{D0F8F977-2D8B-2BDA-0CDB-1C33E09CC3AB}"/>
-              </a:ext>
-            </a:extLst>
-          </p:cNvPr>
-          <p:cNvPicPr>
-            <a:picLocks noChangeAspect="1"/>
-          </p:cNvPicPr>
-          <p:nvPr/>
-        </p:nvPicPr>
-        <p:blipFill>
-          <a:blip r:embed="rId2"/>
-          <a:stretch>
-            <a:fillRect/>
-          </a:stretch>
-        </p:blipFill>
-        <p:spPr>
-          <a:xfrm>
-            <a:off x="1369257" y="0"/>
-            <a:ext cx="6405486" cy="6858000"/>
-          </a:xfrm>
-          <a:prstGeom prst="rect">
-            <a:avLst/>
-          </a:prstGeom>
-        </p:spPr>
-      </p:pic>
     </p:spTree>
     <p:extLst>
       <p:ext uri="{BB962C8B-B14F-4D97-AF65-F5344CB8AC3E}">
-        <p14:creationId xmlns:p14="http://schemas.microsoft.com/office/powerpoint/2010/main" val="3657354464"/>
+        <p14:creationId xmlns:p14="http://schemas.microsoft.com/office/powerpoint/2010/main" val="1037469346"/>
       </p:ext>
     </p:extLst>
   </p:cSld>
@@ -6723,7 +6363,13 @@
       </p:grpSpPr>
       <p:sp>
         <p:nvSpPr>
-          <p:cNvPr id="2" name="Title 1"/>
+          <p:cNvPr id="2" name="Title 1">
+            <a:extLst>
+              <a:ext uri="{FF2B5EF4-FFF2-40B4-BE49-F238E27FC236}">
+                <a16:creationId xmlns:a16="http://schemas.microsoft.com/office/drawing/2014/main" id="{0605387C-8718-2C49-1AE3-0C9B1F57DA34}"/>
+              </a:ext>
+            </a:extLst>
+          </p:cNvPr>
           <p:cNvSpPr>
             <a:spLocks noGrp="1"/>
           </p:cNvSpPr>
@@ -6737,15 +6383,30 @@
           <a:lstStyle/>
           <a:p>
             <a:r>
-              <a:rPr lang="hr-HR" dirty="0"/>
-              <a:t>Korišteni alati i tehnologije</a:t>
-            </a:r>
+              <a:rPr lang="en-GB" dirty="0" err="1"/>
+              <a:t>Ostali</a:t>
+            </a:r>
+            <a:r>
+              <a:rPr lang="en-GB" dirty="0"/>
+              <a:t> </a:t>
+            </a:r>
+            <a:r>
+              <a:rPr lang="en-GB" dirty="0" err="1"/>
+              <a:t>zahtjevi</a:t>
+            </a:r>
+            <a:endParaRPr lang="en-GB" dirty="0"/>
           </a:p>
         </p:txBody>
       </p:sp>
       <p:sp>
         <p:nvSpPr>
-          <p:cNvPr id="3" name="Content Placeholder 2"/>
+          <p:cNvPr id="3" name="Content Placeholder 2">
+            <a:extLst>
+              <a:ext uri="{FF2B5EF4-FFF2-40B4-BE49-F238E27FC236}">
+                <a16:creationId xmlns:a16="http://schemas.microsoft.com/office/drawing/2014/main" id="{C73498FF-BD7F-61C3-247B-E9B879F520BA}"/>
+              </a:ext>
+            </a:extLst>
+          </p:cNvPr>
           <p:cNvSpPr>
             <a:spLocks noGrp="1"/>
           </p:cNvSpPr>
@@ -6756,24 +6417,591 @@
         <p:spPr/>
         <p:txBody>
           <a:bodyPr>
-            <a:normAutofit/>
+            <a:normAutofit fontScale="92500" lnSpcReduction="20000"/>
           </a:bodyPr>
           <a:lstStyle/>
           <a:p>
             <a:r>
-              <a:rPr lang="hr-HR" sz="2400" dirty="0"/>
-              <a:t>Ovaj projekt pružio je članovima projektnog tima upoznavanje s tehnologijama kao što su Git, LaTeX i radnim okvirima i knjižnicama kao što su Spring i React. </a:t>
-            </a:r>
-            <a:endParaRPr lang="en-GB" sz="2000" dirty="0"/>
-          </a:p>
-          <a:p>
-            <a:endParaRPr lang="en-GB" sz="2400" dirty="0"/>
+              <a:rPr lang="en-GB" dirty="0"/>
+              <a:t>1. </a:t>
+            </a:r>
+            <a:r>
+              <a:rPr lang="en-GB" dirty="0" err="1"/>
+              <a:t>Sustav</a:t>
+            </a:r>
+            <a:r>
+              <a:rPr lang="en-GB" dirty="0"/>
+              <a:t> </a:t>
+            </a:r>
+            <a:r>
+              <a:rPr lang="en-GB" dirty="0" err="1"/>
+              <a:t>treba</a:t>
+            </a:r>
+            <a:r>
+              <a:rPr lang="en-GB" dirty="0"/>
+              <a:t> </a:t>
+            </a:r>
+            <a:r>
+              <a:rPr lang="en-GB" dirty="0" err="1"/>
+              <a:t>podr</a:t>
+            </a:r>
+            <a:r>
+              <a:rPr lang="hr-BA" dirty="0"/>
+              <a:t>ž</a:t>
+            </a:r>
+            <a:r>
+              <a:rPr lang="en-GB" dirty="0" err="1"/>
+              <a:t>avati</a:t>
+            </a:r>
+            <a:r>
+              <a:rPr lang="en-GB" dirty="0"/>
+              <a:t> </a:t>
+            </a:r>
+            <a:r>
+              <a:rPr lang="en-GB" dirty="0" err="1"/>
+              <a:t>hrvatski</a:t>
+            </a:r>
+            <a:r>
+              <a:rPr lang="en-GB" dirty="0"/>
+              <a:t> </a:t>
+            </a:r>
+            <a:r>
+              <a:rPr lang="en-GB" dirty="0" err="1"/>
+              <a:t>jezik</a:t>
+            </a:r>
+            <a:r>
+              <a:rPr lang="en-GB" dirty="0"/>
+              <a:t> </a:t>
+            </a:r>
+            <a:endParaRPr lang="hr-BA" dirty="0"/>
+          </a:p>
+          <a:p>
+            <a:r>
+              <a:rPr lang="en-GB" dirty="0"/>
+              <a:t> 2. </a:t>
+            </a:r>
+            <a:r>
+              <a:rPr lang="en-GB" dirty="0" err="1"/>
+              <a:t>Sustav</a:t>
+            </a:r>
+            <a:r>
+              <a:rPr lang="en-GB" dirty="0"/>
+              <a:t> </a:t>
+            </a:r>
+            <a:r>
+              <a:rPr lang="en-GB" dirty="0" err="1"/>
+              <a:t>treba</a:t>
+            </a:r>
+            <a:r>
+              <a:rPr lang="en-GB" dirty="0"/>
+              <a:t> </a:t>
+            </a:r>
+            <a:r>
+              <a:rPr lang="en-GB" dirty="0" err="1"/>
+              <a:t>ostvariti</a:t>
+            </a:r>
+            <a:r>
+              <a:rPr lang="en-GB" dirty="0"/>
+              <a:t> </a:t>
+            </a:r>
+            <a:r>
+              <a:rPr lang="en-GB" dirty="0" err="1"/>
+              <a:t>kao</a:t>
+            </a:r>
+            <a:r>
+              <a:rPr lang="en-GB" dirty="0"/>
+              <a:t> web-</a:t>
+            </a:r>
+            <a:r>
+              <a:rPr lang="en-GB" dirty="0" err="1"/>
+              <a:t>aplikaciju</a:t>
+            </a:r>
+            <a:r>
+              <a:rPr lang="en-GB" dirty="0"/>
+              <a:t> </a:t>
+            </a:r>
+            <a:endParaRPr lang="hr-BA" dirty="0"/>
+          </a:p>
+          <a:p>
+            <a:r>
+              <a:rPr lang="en-GB" dirty="0"/>
+              <a:t>3. </a:t>
+            </a:r>
+            <a:r>
+              <a:rPr lang="en-GB" dirty="0" err="1"/>
+              <a:t>Sustav</a:t>
+            </a:r>
+            <a:r>
+              <a:rPr lang="en-GB" dirty="0"/>
+              <a:t> </a:t>
+            </a:r>
+            <a:r>
+              <a:rPr lang="en-GB" dirty="0" err="1"/>
+              <a:t>treba</a:t>
+            </a:r>
+            <a:r>
+              <a:rPr lang="en-GB" dirty="0"/>
+              <a:t> </a:t>
+            </a:r>
+            <a:r>
+              <a:rPr lang="en-GB" dirty="0" err="1"/>
+              <a:t>koristiti</a:t>
+            </a:r>
+            <a:r>
+              <a:rPr lang="en-GB" dirty="0"/>
+              <a:t> </a:t>
+            </a:r>
+            <a:r>
+              <a:rPr lang="en-GB" dirty="0" err="1"/>
+              <a:t>vanjski</a:t>
+            </a:r>
+            <a:r>
+              <a:rPr lang="en-GB" dirty="0"/>
+              <a:t> API za </a:t>
+            </a:r>
+            <a:r>
+              <a:rPr lang="en-GB" dirty="0" err="1"/>
+              <a:t>dohva</a:t>
+            </a:r>
+            <a:r>
+              <a:rPr lang="hr-BA" dirty="0"/>
+              <a:t>ć</a:t>
+            </a:r>
+            <a:r>
+              <a:rPr lang="en-GB" dirty="0" err="1"/>
+              <a:t>anje</a:t>
+            </a:r>
+            <a:r>
+              <a:rPr lang="en-GB" dirty="0"/>
+              <a:t> </a:t>
+            </a:r>
+            <a:r>
+              <a:rPr lang="en-GB" dirty="0" err="1"/>
+              <a:t>prijedloga</a:t>
+            </a:r>
+            <a:r>
+              <a:rPr lang="en-GB" dirty="0"/>
+              <a:t> </a:t>
+            </a:r>
+            <a:r>
+              <a:rPr lang="en-GB" dirty="0" err="1"/>
+              <a:t>rije</a:t>
+            </a:r>
+            <a:r>
+              <a:rPr lang="hr-BA" dirty="0"/>
+              <a:t>č</a:t>
+            </a:r>
+            <a:r>
+              <a:rPr lang="en-GB" dirty="0" err="1"/>
+              <a:t>i</a:t>
+            </a:r>
+            <a:r>
+              <a:rPr lang="en-GB" dirty="0"/>
+              <a:t> </a:t>
+            </a:r>
+            <a:endParaRPr lang="hr-BA" dirty="0"/>
+          </a:p>
+          <a:p>
+            <a:r>
+              <a:rPr lang="en-GB" dirty="0"/>
+              <a:t>4. </a:t>
+            </a:r>
+            <a:r>
+              <a:rPr lang="en-GB" dirty="0" err="1"/>
+              <a:t>Sustavu</a:t>
+            </a:r>
+            <a:r>
+              <a:rPr lang="en-GB" dirty="0"/>
+              <a:t> se </a:t>
+            </a:r>
+            <a:r>
+              <a:rPr lang="en-GB" dirty="0" err="1"/>
+              <a:t>pristupa</a:t>
+            </a:r>
+            <a:r>
+              <a:rPr lang="en-GB" dirty="0"/>
+              <a:t> </a:t>
+            </a:r>
+            <a:r>
+              <a:rPr lang="en-GB" dirty="0" err="1"/>
+              <a:t>uz</a:t>
+            </a:r>
+            <a:r>
+              <a:rPr lang="en-GB" dirty="0"/>
+              <a:t> </a:t>
+            </a:r>
+            <a:r>
+              <a:rPr lang="en-GB" dirty="0" err="1"/>
+              <a:t>kori</a:t>
+            </a:r>
+            <a:r>
+              <a:rPr lang="hr-BA" dirty="0"/>
+              <a:t>š</a:t>
+            </a:r>
+            <a:r>
+              <a:rPr lang="en-GB" dirty="0" err="1"/>
+              <a:t>tenje</a:t>
+            </a:r>
+            <a:r>
+              <a:rPr lang="en-GB" dirty="0"/>
+              <a:t> </a:t>
+            </a:r>
+            <a:r>
+              <a:rPr lang="en-GB" dirty="0" err="1"/>
+              <a:t>protokola</a:t>
+            </a:r>
+            <a:r>
+              <a:rPr lang="en-GB" dirty="0"/>
+              <a:t> HTTPS </a:t>
+            </a:r>
+            <a:endParaRPr lang="hr-BA" dirty="0"/>
+          </a:p>
+          <a:p>
+            <a:r>
+              <a:rPr lang="en-GB" dirty="0"/>
+              <a:t> 5. </a:t>
+            </a:r>
+            <a:r>
+              <a:rPr lang="en-GB" dirty="0" err="1"/>
+              <a:t>Sustav</a:t>
+            </a:r>
+            <a:r>
+              <a:rPr lang="en-GB" dirty="0"/>
+              <a:t> </a:t>
+            </a:r>
+            <a:r>
+              <a:rPr lang="en-GB" dirty="0" err="1"/>
+              <a:t>treba</a:t>
+            </a:r>
+            <a:r>
+              <a:rPr lang="en-GB" dirty="0"/>
+              <a:t> </a:t>
+            </a:r>
+            <a:r>
+              <a:rPr lang="en-GB" dirty="0" err="1"/>
+              <a:t>ostvariti</a:t>
+            </a:r>
+            <a:r>
+              <a:rPr lang="en-GB" dirty="0"/>
+              <a:t> </a:t>
+            </a:r>
+            <a:r>
+              <a:rPr lang="en-GB" dirty="0" err="1"/>
+              <a:t>pomo</a:t>
+            </a:r>
+            <a:r>
+              <a:rPr lang="hr-BA" dirty="0"/>
+              <a:t>ć</a:t>
+            </a:r>
+            <a:r>
+              <a:rPr lang="en-GB" dirty="0"/>
+              <a:t>u </a:t>
+            </a:r>
+            <a:r>
+              <a:rPr lang="en-GB" dirty="0" err="1"/>
+              <a:t>objektno</a:t>
+            </a:r>
+            <a:r>
+              <a:rPr lang="en-GB" dirty="0"/>
+              <a:t> </a:t>
+            </a:r>
+            <a:r>
+              <a:rPr lang="en-GB" dirty="0" err="1"/>
+              <a:t>orijentiranog</a:t>
+            </a:r>
+            <a:r>
+              <a:rPr lang="en-GB" dirty="0"/>
+              <a:t> </a:t>
+            </a:r>
+            <a:r>
+              <a:rPr lang="en-GB" dirty="0" err="1"/>
+              <a:t>jezika</a:t>
+            </a:r>
+            <a:r>
+              <a:rPr lang="en-GB" dirty="0"/>
+              <a:t> </a:t>
+            </a:r>
+            <a:endParaRPr lang="hr-BA" dirty="0"/>
+          </a:p>
+          <a:p>
+            <a:r>
+              <a:rPr lang="en-GB" dirty="0"/>
+              <a:t> 6. </a:t>
+            </a:r>
+            <a:r>
+              <a:rPr lang="en-GB" dirty="0" err="1"/>
+              <a:t>Sve</a:t>
+            </a:r>
+            <a:r>
+              <a:rPr lang="en-GB" dirty="0"/>
+              <a:t> </a:t>
+            </a:r>
+            <a:r>
+              <a:rPr lang="en-GB" dirty="0" err="1"/>
+              <a:t>lozinke</a:t>
+            </a:r>
+            <a:r>
+              <a:rPr lang="en-GB" dirty="0"/>
+              <a:t> u </a:t>
+            </a:r>
+            <a:r>
+              <a:rPr lang="en-GB" dirty="0" err="1"/>
+              <a:t>sustavu</a:t>
+            </a:r>
+            <a:r>
+              <a:rPr lang="en-GB" dirty="0"/>
+              <a:t> </a:t>
+            </a:r>
+            <a:r>
+              <a:rPr lang="en-GB" dirty="0" err="1"/>
+              <a:t>trebaju</a:t>
+            </a:r>
+            <a:r>
+              <a:rPr lang="en-GB" dirty="0"/>
+              <a:t> </a:t>
+            </a:r>
+            <a:r>
+              <a:rPr lang="en-GB" dirty="0" err="1"/>
+              <a:t>biti</a:t>
+            </a:r>
+            <a:r>
+              <a:rPr lang="en-GB" dirty="0"/>
+              <a:t> </a:t>
+            </a:r>
+            <a:r>
+              <a:rPr lang="en-GB" dirty="0" err="1"/>
+              <a:t>kriptirane</a:t>
+            </a:r>
+            <a:r>
+              <a:rPr lang="en-GB" dirty="0"/>
+              <a:t> </a:t>
+            </a:r>
+            <a:r>
+              <a:rPr lang="en-GB" dirty="0" err="1"/>
+              <a:t>radi</a:t>
+            </a:r>
+            <a:r>
+              <a:rPr lang="en-GB" dirty="0"/>
+              <a:t> </a:t>
+            </a:r>
+            <a:r>
+              <a:rPr lang="en-GB" dirty="0" err="1"/>
+              <a:t>osiguravanja</a:t>
+            </a:r>
+            <a:r>
+              <a:rPr lang="en-GB" dirty="0"/>
+              <a:t> </a:t>
+            </a:r>
+            <a:r>
+              <a:rPr lang="en-GB" dirty="0" err="1"/>
+              <a:t>sigurnosti</a:t>
+            </a:r>
+            <a:r>
+              <a:rPr lang="en-GB" dirty="0"/>
+              <a:t> </a:t>
+            </a:r>
+            <a:r>
+              <a:rPr lang="en-GB" dirty="0" err="1"/>
+              <a:t>korisnickih</a:t>
+            </a:r>
+            <a:r>
+              <a:rPr lang="en-GB" dirty="0"/>
+              <a:t> </a:t>
+            </a:r>
+            <a:r>
+              <a:rPr lang="en-GB" dirty="0" err="1"/>
+              <a:t>ra</a:t>
+            </a:r>
+            <a:r>
+              <a:rPr lang="hr-BA" dirty="0"/>
+              <a:t>č</a:t>
+            </a:r>
+            <a:r>
+              <a:rPr lang="en-GB" dirty="0" err="1"/>
+              <a:t>una</a:t>
+            </a:r>
+            <a:r>
+              <a:rPr lang="en-GB" dirty="0"/>
+              <a:t> </a:t>
+            </a:r>
+            <a:endParaRPr lang="hr-BA" dirty="0"/>
+          </a:p>
+          <a:p>
+            <a:r>
+              <a:rPr lang="en-GB" dirty="0"/>
+              <a:t>7. </a:t>
+            </a:r>
+            <a:r>
+              <a:rPr lang="en-GB" dirty="0" err="1"/>
+              <a:t>Sustav</a:t>
+            </a:r>
+            <a:r>
+              <a:rPr lang="en-GB" dirty="0"/>
+              <a:t> </a:t>
+            </a:r>
+            <a:r>
+              <a:rPr lang="en-GB" dirty="0" err="1"/>
+              <a:t>treba</a:t>
+            </a:r>
+            <a:r>
+              <a:rPr lang="en-GB" dirty="0"/>
+              <a:t> </a:t>
+            </a:r>
+            <a:r>
+              <a:rPr lang="en-GB" dirty="0" err="1"/>
+              <a:t>ostvariti</a:t>
+            </a:r>
+            <a:r>
+              <a:rPr lang="en-GB" dirty="0"/>
+              <a:t> </a:t>
+            </a:r>
+            <a:r>
+              <a:rPr lang="en-GB" dirty="0" err="1"/>
+              <a:t>tako</a:t>
+            </a:r>
+            <a:r>
+              <a:rPr lang="en-GB" dirty="0"/>
+              <a:t> da </a:t>
+            </a:r>
+            <a:r>
+              <a:rPr lang="en-GB" dirty="0" err="1"/>
+              <a:t>bude</a:t>
+            </a:r>
+            <a:r>
+              <a:rPr lang="en-GB" dirty="0"/>
+              <a:t> </a:t>
+            </a:r>
+            <a:r>
+              <a:rPr lang="en-GB" dirty="0" err="1"/>
+              <a:t>jednostavan</a:t>
+            </a:r>
+            <a:r>
+              <a:rPr lang="en-GB" dirty="0"/>
+              <a:t> </a:t>
+            </a:r>
+            <a:r>
+              <a:rPr lang="en-GB" dirty="0" err="1"/>
+              <a:t>i</a:t>
+            </a:r>
+            <a:r>
+              <a:rPr lang="en-GB" dirty="0"/>
+              <a:t> </a:t>
+            </a:r>
+            <a:r>
+              <a:rPr lang="en-GB" dirty="0" err="1"/>
+              <a:t>intuitivan</a:t>
+            </a:r>
+            <a:r>
+              <a:rPr lang="en-GB" dirty="0"/>
+              <a:t> za </a:t>
+            </a:r>
+            <a:r>
+              <a:rPr lang="en-GB" dirty="0" err="1"/>
+              <a:t>koristenje</a:t>
+            </a:r>
+            <a:r>
+              <a:rPr lang="en-GB" dirty="0"/>
+              <a:t> </a:t>
+            </a:r>
+            <a:endParaRPr lang="hr-BA" dirty="0"/>
+          </a:p>
+          <a:p>
+            <a:r>
+              <a:rPr lang="en-GB" dirty="0"/>
+              <a:t> 8. </a:t>
+            </a:r>
+            <a:r>
+              <a:rPr lang="en-GB" dirty="0" err="1"/>
+              <a:t>Sustav</a:t>
+            </a:r>
+            <a:r>
+              <a:rPr lang="en-GB" dirty="0"/>
+              <a:t> </a:t>
+            </a:r>
+            <a:r>
+              <a:rPr lang="en-GB" dirty="0" err="1"/>
+              <a:t>treba</a:t>
+            </a:r>
+            <a:r>
+              <a:rPr lang="en-GB" dirty="0"/>
+              <a:t> </a:t>
+            </a:r>
+            <a:r>
+              <a:rPr lang="en-GB" dirty="0" err="1"/>
+              <a:t>mo</a:t>
+            </a:r>
+            <a:r>
+              <a:rPr lang="hr-BA" dirty="0"/>
+              <a:t>ć</a:t>
+            </a:r>
+            <a:r>
+              <a:rPr lang="en-GB" dirty="0" err="1"/>
+              <a:t>i</a:t>
+            </a:r>
+            <a:r>
+              <a:rPr lang="en-GB" dirty="0"/>
+              <a:t> </a:t>
+            </a:r>
+            <a:r>
+              <a:rPr lang="en-GB" dirty="0" err="1"/>
+              <a:t>pru</a:t>
+            </a:r>
+            <a:r>
+              <a:rPr lang="hr-BA" dirty="0"/>
+              <a:t>ž</a:t>
+            </a:r>
+            <a:r>
+              <a:rPr lang="en-GB" dirty="0" err="1"/>
+              <a:t>ati</a:t>
+            </a:r>
+            <a:r>
+              <a:rPr lang="en-GB" dirty="0"/>
+              <a:t> </a:t>
+            </a:r>
+            <a:r>
+              <a:rPr lang="en-GB" dirty="0" err="1"/>
+              <a:t>uslugu</a:t>
+            </a:r>
+            <a:r>
+              <a:rPr lang="en-GB" dirty="0"/>
+              <a:t> za vi</a:t>
+            </a:r>
+            <a:r>
+              <a:rPr lang="hr-BA" dirty="0"/>
+              <a:t>š</a:t>
+            </a:r>
+            <a:r>
+              <a:rPr lang="en-GB" dirty="0"/>
+              <a:t>e </a:t>
+            </a:r>
+            <a:r>
+              <a:rPr lang="en-GB" dirty="0" err="1"/>
+              <a:t>korisnika</a:t>
+            </a:r>
+            <a:r>
+              <a:rPr lang="en-GB" dirty="0"/>
+              <a:t> </a:t>
+            </a:r>
+            <a:r>
+              <a:rPr lang="en-GB" dirty="0" err="1"/>
+              <a:t>istovremeno</a:t>
+            </a:r>
+            <a:r>
+              <a:rPr lang="en-GB" dirty="0"/>
+              <a:t> </a:t>
+            </a:r>
           </a:p>
         </p:txBody>
       </p:sp>
       <p:sp>
         <p:nvSpPr>
-          <p:cNvPr id="4" name="Slide Number Placeholder 3"/>
+          <p:cNvPr id="4" name="Slide Number Placeholder 3">
+            <a:extLst>
+              <a:ext uri="{FF2B5EF4-FFF2-40B4-BE49-F238E27FC236}">
+                <a16:creationId xmlns:a16="http://schemas.microsoft.com/office/drawing/2014/main" id="{3A03AFAB-D5C7-6AF1-71CF-C41FAB96E27C}"/>
+              </a:ext>
+            </a:extLst>
+          </p:cNvPr>
           <p:cNvSpPr>
             <a:spLocks noGrp="1"/>
           </p:cNvSpPr>
@@ -6797,7 +7025,7 @@
     </p:spTree>
     <p:extLst>
       <p:ext uri="{BB962C8B-B14F-4D97-AF65-F5344CB8AC3E}">
-        <p14:creationId xmlns:p14="http://schemas.microsoft.com/office/powerpoint/2010/main" val="3389772446"/>
+        <p14:creationId xmlns:p14="http://schemas.microsoft.com/office/powerpoint/2010/main" val="1986177170"/>
       </p:ext>
     </p:extLst>
   </p:cSld>
@@ -6839,54 +7067,45 @@
           <a:bodyPr/>
           <a:lstStyle/>
           <a:p>
-            <a:r>
-              <a:rPr lang="hr-HR" dirty="0"/>
-              <a:t>Organizacija rada</a:t>
-            </a:r>
+            <a:endParaRPr lang="hr-HR" dirty="0"/>
           </a:p>
         </p:txBody>
       </p:sp>
-      <p:sp>
-        <p:nvSpPr>
-          <p:cNvPr id="3" name="Content Placeholder 2"/>
-          <p:cNvSpPr>
-            <a:spLocks noGrp="1"/>
-          </p:cNvSpPr>
+      <p:pic>
+        <p:nvPicPr>
+          <p:cNvPr id="6" name="Rezervirano mjesto sadržaja 5" descr="Slika na kojoj se prikazuje dijagram, tekst, Plan, Trokut&#10;&#10;Opis je automatski generiran">
+            <a:extLst>
+              <a:ext uri="{FF2B5EF4-FFF2-40B4-BE49-F238E27FC236}">
+                <a16:creationId xmlns:a16="http://schemas.microsoft.com/office/drawing/2014/main" id="{EC9C6B7A-71FC-BDF0-9600-6E77BBE1CAB1}"/>
+              </a:ext>
+            </a:extLst>
+          </p:cNvPr>
+          <p:cNvPicPr>
+            <a:picLocks noGrp="1" noChangeAspect="1"/>
+          </p:cNvPicPr>
           <p:nvPr>
             <p:ph idx="1"/>
           </p:nvPr>
-        </p:nvSpPr>
-        <p:spPr/>
-        <p:txBody>
-          <a:bodyPr>
-            <a:normAutofit/>
-          </a:bodyPr>
-          <a:lstStyle/>
-          <a:p>
-            <a:pPr>
-              <a:lnSpc>
-                <a:spcPct val="100000"/>
-              </a:lnSpc>
-            </a:pPr>
-            <a:r>
-              <a:rPr lang="hr-HR" sz="2400" dirty="0"/>
-              <a:t> U prvoj fazi naglasak je bio na oblikovanju sustava i implementaciji generičkih funkcionalnosti. Oblikovanje sustava uključivalo je izlučivanje zahtjeva, izradu brojnih UML dijagrama i oblikovanje arhitekture sustava. Implementacija generičkih aktivnosti uključivala je izradu početne stranice, spajanje sustava u cjelinu i sl. </a:t>
-            </a:r>
-          </a:p>
-          <a:p>
-            <a:pPr>
-              <a:lnSpc>
-                <a:spcPct val="100000"/>
-              </a:lnSpc>
-            </a:pPr>
-            <a:r>
-              <a:rPr lang="hr-HR" sz="2400" dirty="0"/>
-              <a:t>U drugoj fazi naglasak je bio na implementaciji prethodno oblikovanog suatava. I u ovoj fazi se radilo na dokumentaciji pa je tako izrađeno nekoliko UML dijagrama. U ovoj fazi cilj je bio završetak projekta u cijelosti što znači kako su se u ovoj fazi trebale implementirati sve naprednije funkcionalnosti sustava.</a:t>
-            </a:r>
-            <a:endParaRPr lang="hr-HR" sz="1800" dirty="0"/>
-          </a:p>
-        </p:txBody>
-      </p:sp>
+        </p:nvPicPr>
+        <p:blipFill>
+          <a:blip r:embed="rId2">
+            <a:extLst>
+              <a:ext uri="{28A0092B-C50C-407E-A947-70E740481C1C}">
+                <a14:useLocalDpi xmlns:a14="http://schemas.microsoft.com/office/drawing/2010/main" val="0"/>
+              </a:ext>
+            </a:extLst>
+          </a:blip>
+          <a:stretch>
+            <a:fillRect/>
+          </a:stretch>
+        </p:blipFill>
+        <p:spPr>
+          <a:xfrm>
+            <a:off x="1784413" y="106532"/>
+            <a:ext cx="6294136" cy="6738785"/>
+          </a:xfrm>
+        </p:spPr>
+      </p:pic>
       <p:sp>
         <p:nvSpPr>
           <p:cNvPr id="4" name="Slide Number Placeholder 3"/>
@@ -6913,7 +7132,7 @@
     </p:spTree>
     <p:extLst>
       <p:ext uri="{BB962C8B-B14F-4D97-AF65-F5344CB8AC3E}">
-        <p14:creationId xmlns:p14="http://schemas.microsoft.com/office/powerpoint/2010/main" val="4285223946"/>
+        <p14:creationId xmlns:p14="http://schemas.microsoft.com/office/powerpoint/2010/main" val="3657354464"/>
       </p:ext>
     </p:extLst>
   </p:cSld>

--- a/MISIJA-V_FlipMemo.pptx
+++ b/MISIJA-V_FlipMemo.pptx
@@ -7071,12 +7071,35 @@
           </a:p>
         </p:txBody>
       </p:sp>
+      <p:sp>
+        <p:nvSpPr>
+          <p:cNvPr id="4" name="Slide Number Placeholder 3"/>
+          <p:cNvSpPr>
+            <a:spLocks noGrp="1"/>
+          </p:cNvSpPr>
+          <p:nvPr>
+            <p:ph type="sldNum" sz="quarter" idx="12"/>
+          </p:nvPr>
+        </p:nvSpPr>
+        <p:spPr/>
+        <p:txBody>
+          <a:bodyPr/>
+          <a:lstStyle/>
+          <a:p>
+            <a:fld id="{FAA41844-C0CA-4144-9D6C-D993F0C0FAB4}" type="slidenum">
+              <a:rPr lang="hr-HR" smtClean="0"/>
+              <a:t>9</a:t>
+            </a:fld>
+            <a:endParaRPr lang="hr-HR"/>
+          </a:p>
+        </p:txBody>
+      </p:sp>
       <p:pic>
         <p:nvPicPr>
-          <p:cNvPr id="6" name="Rezervirano mjesto sadržaja 5" descr="Slika na kojoj se prikazuje dijagram, tekst, Plan, Trokut&#10;&#10;Opis je automatski generiran">
+          <p:cNvPr id="8" name="Rezervirano mjesto sadržaja 7" descr="Slika na kojoj se prikazuje dijagram, tekst, Plan, Trokut&#10;&#10;Opis je automatski generiran">
             <a:extLst>
               <a:ext uri="{FF2B5EF4-FFF2-40B4-BE49-F238E27FC236}">
-                <a16:creationId xmlns:a16="http://schemas.microsoft.com/office/drawing/2014/main" id="{EC9C6B7A-71FC-BDF0-9600-6E77BBE1CAB1}"/>
+                <a16:creationId xmlns:a16="http://schemas.microsoft.com/office/drawing/2014/main" id="{2F4BCCB6-2F4F-019F-79E9-96835BAA4686}"/>
               </a:ext>
             </a:extLst>
           </p:cNvPr>
@@ -7101,34 +7124,11 @@
         </p:blipFill>
         <p:spPr>
           <a:xfrm>
-            <a:off x="1784413" y="106532"/>
-            <a:ext cx="6294136" cy="6738785"/>
+            <a:off x="1802167" y="201919"/>
+            <a:ext cx="6187288" cy="6624389"/>
           </a:xfrm>
         </p:spPr>
       </p:pic>
-      <p:sp>
-        <p:nvSpPr>
-          <p:cNvPr id="4" name="Slide Number Placeholder 3"/>
-          <p:cNvSpPr>
-            <a:spLocks noGrp="1"/>
-          </p:cNvSpPr>
-          <p:nvPr>
-            <p:ph type="sldNum" sz="quarter" idx="12"/>
-          </p:nvPr>
-        </p:nvSpPr>
-        <p:spPr/>
-        <p:txBody>
-          <a:bodyPr/>
-          <a:lstStyle/>
-          <a:p>
-            <a:fld id="{FAA41844-C0CA-4144-9D6C-D993F0C0FAB4}" type="slidenum">
-              <a:rPr lang="hr-HR" smtClean="0"/>
-              <a:t>9</a:t>
-            </a:fld>
-            <a:endParaRPr lang="hr-HR"/>
-          </a:p>
-        </p:txBody>
-      </p:sp>
     </p:spTree>
     <p:extLst>
       <p:ext uri="{BB962C8B-B14F-4D97-AF65-F5344CB8AC3E}">
